--- a/Project1/Project1_PowerPoint.pptx
+++ b/Project1/Project1_PowerPoint.pptx
@@ -5,15 +5,20 @@
     <p:sldMasterId id="2147483648" r:id="rId1"/>
   </p:sldMasterIdLst>
   <p:sldIdLst>
-    <p:sldId id="256" r:id="rId2"/>
-    <p:sldId id="257" r:id="rId3"/>
-    <p:sldId id="258" r:id="rId4"/>
-    <p:sldId id="259" r:id="rId5"/>
-    <p:sldId id="260" r:id="rId6"/>
-    <p:sldId id="263" r:id="rId7"/>
-    <p:sldId id="261" r:id="rId8"/>
-    <p:sldId id="262" r:id="rId9"/>
-    <p:sldId id="264" r:id="rId10"/>
+    <p:sldId id="265" r:id="rId2"/>
+    <p:sldId id="256" r:id="rId3"/>
+    <p:sldId id="266" r:id="rId4"/>
+    <p:sldId id="267" r:id="rId5"/>
+    <p:sldId id="257" r:id="rId6"/>
+    <p:sldId id="258" r:id="rId7"/>
+    <p:sldId id="259" r:id="rId8"/>
+    <p:sldId id="260" r:id="rId9"/>
+    <p:sldId id="263" r:id="rId10"/>
+    <p:sldId id="261" r:id="rId11"/>
+    <p:sldId id="262" r:id="rId12"/>
+    <p:sldId id="264" r:id="rId13"/>
+    <p:sldId id="268" r:id="rId14"/>
+    <p:sldId id="269" r:id="rId15"/>
   </p:sldIdLst>
   <p:sldSz cx="12192000" cy="6858000"/>
   <p:notesSz cx="6858000" cy="9144000"/>
@@ -112,6 +117,11 @@
       </a:defRPr>
     </a:lvl9pPr>
   </p:defaultTextStyle>
+  <p:extLst>
+    <p:ext uri="{EFAFB233-063F-42B5-8137-9DF3F51BA10A}">
+      <p15:sldGuideLst xmlns:p15="http://schemas.microsoft.com/office/powerpoint/2012/main"/>
+    </p:ext>
+  </p:extLst>
 </p:presentation>
 </file>
 
@@ -262,7 +272,7 @@
           <a:p>
             <a:fld id="{412A483F-6610-402B-A4E9-0299365126DF}" type="datetimeFigureOut">
               <a:rPr lang="en-US" smtClean="0"/>
-              <a:t>4/12/2019</a:t>
+              <a:t>4/13/2019</a:t>
             </a:fld>
             <a:endParaRPr lang="en-US"/>
           </a:p>
@@ -460,7 +470,7 @@
           <a:p>
             <a:fld id="{412A483F-6610-402B-A4E9-0299365126DF}" type="datetimeFigureOut">
               <a:rPr lang="en-US" smtClean="0"/>
-              <a:t>4/12/2019</a:t>
+              <a:t>4/13/2019</a:t>
             </a:fld>
             <a:endParaRPr lang="en-US"/>
           </a:p>
@@ -668,7 +678,7 @@
           <a:p>
             <a:fld id="{412A483F-6610-402B-A4E9-0299365126DF}" type="datetimeFigureOut">
               <a:rPr lang="en-US" smtClean="0"/>
-              <a:t>4/12/2019</a:t>
+              <a:t>4/13/2019</a:t>
             </a:fld>
             <a:endParaRPr lang="en-US"/>
           </a:p>
@@ -866,7 +876,7 @@
           <a:p>
             <a:fld id="{412A483F-6610-402B-A4E9-0299365126DF}" type="datetimeFigureOut">
               <a:rPr lang="en-US" smtClean="0"/>
-              <a:t>4/12/2019</a:t>
+              <a:t>4/13/2019</a:t>
             </a:fld>
             <a:endParaRPr lang="en-US"/>
           </a:p>
@@ -1141,7 +1151,7 @@
           <a:p>
             <a:fld id="{412A483F-6610-402B-A4E9-0299365126DF}" type="datetimeFigureOut">
               <a:rPr lang="en-US" smtClean="0"/>
-              <a:t>4/12/2019</a:t>
+              <a:t>4/13/2019</a:t>
             </a:fld>
             <a:endParaRPr lang="en-US"/>
           </a:p>
@@ -1406,7 +1416,7 @@
           <a:p>
             <a:fld id="{412A483F-6610-402B-A4E9-0299365126DF}" type="datetimeFigureOut">
               <a:rPr lang="en-US" smtClean="0"/>
-              <a:t>4/12/2019</a:t>
+              <a:t>4/13/2019</a:t>
             </a:fld>
             <a:endParaRPr lang="en-US"/>
           </a:p>
@@ -1818,7 +1828,7 @@
           <a:p>
             <a:fld id="{412A483F-6610-402B-A4E9-0299365126DF}" type="datetimeFigureOut">
               <a:rPr lang="en-US" smtClean="0"/>
-              <a:t>4/12/2019</a:t>
+              <a:t>4/13/2019</a:t>
             </a:fld>
             <a:endParaRPr lang="en-US"/>
           </a:p>
@@ -1959,7 +1969,7 @@
           <a:p>
             <a:fld id="{412A483F-6610-402B-A4E9-0299365126DF}" type="datetimeFigureOut">
               <a:rPr lang="en-US" smtClean="0"/>
-              <a:t>4/12/2019</a:t>
+              <a:t>4/13/2019</a:t>
             </a:fld>
             <a:endParaRPr lang="en-US"/>
           </a:p>
@@ -2072,7 +2082,7 @@
           <a:p>
             <a:fld id="{412A483F-6610-402B-A4E9-0299365126DF}" type="datetimeFigureOut">
               <a:rPr lang="en-US" smtClean="0"/>
-              <a:t>4/12/2019</a:t>
+              <a:t>4/13/2019</a:t>
             </a:fld>
             <a:endParaRPr lang="en-US"/>
           </a:p>
@@ -2383,7 +2393,7 @@
           <a:p>
             <a:fld id="{412A483F-6610-402B-A4E9-0299365126DF}" type="datetimeFigureOut">
               <a:rPr lang="en-US" smtClean="0"/>
-              <a:t>4/12/2019</a:t>
+              <a:t>4/13/2019</a:t>
             </a:fld>
             <a:endParaRPr lang="en-US"/>
           </a:p>
@@ -2671,7 +2681,7 @@
           <a:p>
             <a:fld id="{412A483F-6610-402B-A4E9-0299365126DF}" type="datetimeFigureOut">
               <a:rPr lang="en-US" smtClean="0"/>
-              <a:t>4/12/2019</a:t>
+              <a:t>4/13/2019</a:t>
             </a:fld>
             <a:endParaRPr lang="en-US"/>
           </a:p>
@@ -2912,7 +2922,7 @@
           <a:p>
             <a:fld id="{412A483F-6610-402B-A4E9-0299365126DF}" type="datetimeFigureOut">
               <a:rPr lang="en-US" smtClean="0"/>
-              <a:t>4/12/2019</a:t>
+              <a:t>4/13/2019</a:t>
             </a:fld>
             <a:endParaRPr lang="en-US"/>
           </a:p>
@@ -3334,7 +3344,7 @@
           <p:cNvPr id="2" name="Title 1">
             <a:extLst>
               <a:ext uri="{FF2B5EF4-FFF2-40B4-BE49-F238E27FC236}">
-                <a16:creationId xmlns:a16="http://schemas.microsoft.com/office/drawing/2014/main" id="{BDF74733-E9C8-4375-B197-928425A64FD6}"/>
+                <a16:creationId xmlns:a16="http://schemas.microsoft.com/office/drawing/2014/main" id="{CD215C6C-CBF1-4D6F-8238-9FBBF70C84A3}"/>
               </a:ext>
             </a:extLst>
           </p:cNvPr>
@@ -3347,44 +3357,32 @@
         </p:nvSpPr>
         <p:spPr>
           <a:xfrm>
-            <a:off x="1524000" y="360485"/>
-            <a:ext cx="9144000" cy="2611315"/>
+            <a:off x="1524000" y="2458793"/>
+            <a:ext cx="9144000" cy="2387600"/>
           </a:xfrm>
         </p:spPr>
         <p:txBody>
           <a:bodyPr>
-            <a:normAutofit/>
+            <a:normAutofit fontScale="90000"/>
           </a:bodyPr>
           <a:lstStyle/>
           <a:p>
-            <a:r>
+            <a:br>
               <a:rPr lang="en-US" dirty="0"/>
-              <a:t>What factors can lead to higher prevalence of diabetes?</a:t>
-            </a:r>
-          </a:p>
-        </p:txBody>
-      </p:sp>
-      <p:sp>
-        <p:nvSpPr>
-          <p:cNvPr id="3" name="Subtitle 2">
-            <a:extLst>
-              <a:ext uri="{FF2B5EF4-FFF2-40B4-BE49-F238E27FC236}">
-                <a16:creationId xmlns:a16="http://schemas.microsoft.com/office/drawing/2014/main" id="{87BB1632-3D9B-4D4F-9E25-C9219C0E77F2}"/>
-              </a:ext>
-            </a:extLst>
-          </p:cNvPr>
-          <p:cNvSpPr>
-            <a:spLocks noGrp="1"/>
-          </p:cNvSpPr>
-          <p:nvPr>
-            <p:ph type="subTitle" idx="1"/>
-          </p:nvPr>
-        </p:nvSpPr>
-        <p:spPr/>
-        <p:txBody>
-          <a:bodyPr/>
-          <a:lstStyle/>
-          <a:p>
+            </a:br>
+            <a:br>
+              <a:rPr lang="en-US" dirty="0"/>
+            </a:br>
+            <a:br>
+              <a:rPr lang="en-US" dirty="0"/>
+            </a:br>
+            <a:r>
+              <a:rPr lang="en-US" dirty="0"/>
+              <a:t>Diabetes : A Look a Prevalence trends and contributing factors in the US</a:t>
+            </a:r>
+            <a:br>
+              <a:rPr lang="en-US" dirty="0"/>
+            </a:br>
             <a:endParaRPr lang="en-US" dirty="0"/>
           </a:p>
         </p:txBody>
@@ -3392,7 +3390,569 @@
     </p:spTree>
     <p:extLst>
       <p:ext uri="{BB962C8B-B14F-4D97-AF65-F5344CB8AC3E}">
-        <p14:creationId xmlns:p14="http://schemas.microsoft.com/office/powerpoint/2010/main" val="795890955"/>
+        <p14:creationId xmlns:p14="http://schemas.microsoft.com/office/powerpoint/2010/main" val="4194594652"/>
+      </p:ext>
+    </p:extLst>
+  </p:cSld>
+  <p:clrMapOvr>
+    <a:masterClrMapping/>
+  </p:clrMapOvr>
+</p:sld>
+</file>
+
+<file path=ppt/slides/slide10.xml><?xml version="1.0" encoding="utf-8"?>
+<p:sld xmlns:a="http://schemas.openxmlformats.org/drawingml/2006/main" xmlns:r="http://schemas.openxmlformats.org/officeDocument/2006/relationships" xmlns:p="http://schemas.openxmlformats.org/presentationml/2006/main">
+  <p:cSld>
+    <p:spTree>
+      <p:nvGrpSpPr>
+        <p:cNvPr id="1" name=""/>
+        <p:cNvGrpSpPr/>
+        <p:nvPr/>
+      </p:nvGrpSpPr>
+      <p:grpSpPr>
+        <a:xfrm>
+          <a:off x="0" y="0"/>
+          <a:ext cx="0" cy="0"/>
+          <a:chOff x="0" y="0"/>
+          <a:chExt cx="0" cy="0"/>
+        </a:xfrm>
+      </p:grpSpPr>
+      <p:sp>
+        <p:nvSpPr>
+          <p:cNvPr id="2" name="Title 1">
+            <a:extLst>
+              <a:ext uri="{FF2B5EF4-FFF2-40B4-BE49-F238E27FC236}">
+                <a16:creationId xmlns:a16="http://schemas.microsoft.com/office/drawing/2014/main" id="{F67CA1DE-F55A-4AEF-845E-43DB24AFDF44}"/>
+              </a:ext>
+            </a:extLst>
+          </p:cNvPr>
+          <p:cNvSpPr>
+            <a:spLocks noGrp="1"/>
+          </p:cNvSpPr>
+          <p:nvPr>
+            <p:ph type="title"/>
+          </p:nvPr>
+        </p:nvSpPr>
+        <p:spPr/>
+        <p:txBody>
+          <a:bodyPr/>
+          <a:lstStyle/>
+          <a:p>
+            <a:r>
+              <a:rPr lang="en-US" dirty="0"/>
+              <a:t>% Diabetes vs Obesity Cases by County</a:t>
+            </a:r>
+          </a:p>
+        </p:txBody>
+      </p:sp>
+      <p:pic>
+        <p:nvPicPr>
+          <p:cNvPr id="5" name="Content Placeholder 4">
+            <a:extLst>
+              <a:ext uri="{FF2B5EF4-FFF2-40B4-BE49-F238E27FC236}">
+                <a16:creationId xmlns:a16="http://schemas.microsoft.com/office/drawing/2014/main" id="{FF54AC2F-345A-4C7F-87F3-B7677F83E1E8}"/>
+              </a:ext>
+            </a:extLst>
+          </p:cNvPr>
+          <p:cNvPicPr>
+            <a:picLocks noGrp="1" noChangeAspect="1"/>
+          </p:cNvPicPr>
+          <p:nvPr>
+            <p:ph idx="1"/>
+          </p:nvPr>
+        </p:nvPicPr>
+        <p:blipFill>
+          <a:blip r:embed="rId2">
+            <a:extLst>
+              <a:ext uri="{28A0092B-C50C-407E-A947-70E740481C1C}">
+                <a14:useLocalDpi xmlns:a14="http://schemas.microsoft.com/office/drawing/2010/main" val="0"/>
+              </a:ext>
+            </a:extLst>
+          </a:blip>
+          <a:stretch>
+            <a:fillRect/>
+          </a:stretch>
+        </p:blipFill>
+        <p:spPr>
+          <a:xfrm>
+            <a:off x="838200" y="432594"/>
+            <a:ext cx="11488737" cy="5744369"/>
+          </a:xfrm>
+        </p:spPr>
+      </p:pic>
+      <p:sp>
+        <p:nvSpPr>
+          <p:cNvPr id="6" name="TextBox 5">
+            <a:extLst>
+              <a:ext uri="{FF2B5EF4-FFF2-40B4-BE49-F238E27FC236}">
+                <a16:creationId xmlns:a16="http://schemas.microsoft.com/office/drawing/2014/main" id="{7AAE8787-0FB7-4052-8D5A-EACBE7692E7B}"/>
+              </a:ext>
+            </a:extLst>
+          </p:cNvPr>
+          <p:cNvSpPr txBox="1"/>
+          <p:nvPr/>
+        </p:nvSpPr>
+        <p:spPr>
+          <a:xfrm>
+            <a:off x="958361" y="413238"/>
+            <a:ext cx="3921369" cy="923330"/>
+          </a:xfrm>
+          <a:prstGeom prst="rect">
+            <a:avLst/>
+          </a:prstGeom>
+          <a:noFill/>
+        </p:spPr>
+        <p:txBody>
+          <a:bodyPr wrap="square" rtlCol="0">
+            <a:spAutoFit/>
+          </a:bodyPr>
+          <a:lstStyle/>
+          <a:p>
+            <a:r>
+              <a:rPr lang="en-US" dirty="0"/>
+              <a:t>Obesity Cases  vs % Diabetes</a:t>
+            </a:r>
+          </a:p>
+          <a:p>
+            <a:r>
+              <a:rPr lang="en-US" dirty="0"/>
+              <a:t> - High correlation between Obesity and Diabetes</a:t>
+            </a:r>
+          </a:p>
+        </p:txBody>
+      </p:sp>
+    </p:spTree>
+    <p:extLst>
+      <p:ext uri="{BB962C8B-B14F-4D97-AF65-F5344CB8AC3E}">
+        <p14:creationId xmlns:p14="http://schemas.microsoft.com/office/powerpoint/2010/main" val="617514600"/>
+      </p:ext>
+    </p:extLst>
+  </p:cSld>
+  <p:clrMapOvr>
+    <a:masterClrMapping/>
+  </p:clrMapOvr>
+</p:sld>
+</file>
+
+<file path=ppt/slides/slide11.xml><?xml version="1.0" encoding="utf-8"?>
+<p:sld xmlns:a="http://schemas.openxmlformats.org/drawingml/2006/main" xmlns:r="http://schemas.openxmlformats.org/officeDocument/2006/relationships" xmlns:p="http://schemas.openxmlformats.org/presentationml/2006/main">
+  <p:cSld>
+    <p:spTree>
+      <p:nvGrpSpPr>
+        <p:cNvPr id="1" name=""/>
+        <p:cNvGrpSpPr/>
+        <p:nvPr/>
+      </p:nvGrpSpPr>
+      <p:grpSpPr>
+        <a:xfrm>
+          <a:off x="0" y="0"/>
+          <a:ext cx="0" cy="0"/>
+          <a:chOff x="0" y="0"/>
+          <a:chExt cx="0" cy="0"/>
+        </a:xfrm>
+      </p:grpSpPr>
+      <p:pic>
+        <p:nvPicPr>
+          <p:cNvPr id="3" name="Picture 2">
+            <a:extLst>
+              <a:ext uri="{FF2B5EF4-FFF2-40B4-BE49-F238E27FC236}">
+                <a16:creationId xmlns:a16="http://schemas.microsoft.com/office/drawing/2014/main" id="{2C4FFE48-9404-4AC2-A4D9-B2CC7F355706}"/>
+              </a:ext>
+            </a:extLst>
+          </p:cNvPr>
+          <p:cNvPicPr>
+            <a:picLocks noChangeAspect="1"/>
+          </p:cNvPicPr>
+          <p:nvPr/>
+        </p:nvPicPr>
+        <p:blipFill>
+          <a:blip r:embed="rId2">
+            <a:extLst>
+              <a:ext uri="{28A0092B-C50C-407E-A947-70E740481C1C}">
+                <a14:useLocalDpi xmlns:a14="http://schemas.microsoft.com/office/drawing/2010/main" val="0"/>
+              </a:ext>
+            </a:extLst>
+          </a:blip>
+          <a:stretch>
+            <a:fillRect/>
+          </a:stretch>
+        </p:blipFill>
+        <p:spPr>
+          <a:xfrm>
+            <a:off x="0" y="381000"/>
+            <a:ext cx="12192000" cy="6096000"/>
+          </a:xfrm>
+          <a:prstGeom prst="rect">
+            <a:avLst/>
+          </a:prstGeom>
+        </p:spPr>
+      </p:pic>
+      <p:sp>
+        <p:nvSpPr>
+          <p:cNvPr id="4" name="TextBox 3">
+            <a:extLst>
+              <a:ext uri="{FF2B5EF4-FFF2-40B4-BE49-F238E27FC236}">
+                <a16:creationId xmlns:a16="http://schemas.microsoft.com/office/drawing/2014/main" id="{7D686BB3-D35F-47AB-82A4-A8EFCE7B0755}"/>
+              </a:ext>
+            </a:extLst>
+          </p:cNvPr>
+          <p:cNvSpPr txBox="1"/>
+          <p:nvPr/>
+        </p:nvSpPr>
+        <p:spPr>
+          <a:xfrm>
+            <a:off x="228600" y="219807"/>
+            <a:ext cx="3921369" cy="923330"/>
+          </a:xfrm>
+          <a:prstGeom prst="rect">
+            <a:avLst/>
+          </a:prstGeom>
+          <a:noFill/>
+        </p:spPr>
+        <p:txBody>
+          <a:bodyPr wrap="square" rtlCol="0">
+            <a:spAutoFit/>
+          </a:bodyPr>
+          <a:lstStyle/>
+          <a:p>
+            <a:r>
+              <a:rPr lang="en-US" dirty="0"/>
+              <a:t>In-activities Cases  vs % Diabetes</a:t>
+            </a:r>
+          </a:p>
+          <a:p>
+            <a:r>
+              <a:rPr lang="en-US" dirty="0"/>
+              <a:t> - High correlation between In-activities and Diabetes</a:t>
+            </a:r>
+          </a:p>
+        </p:txBody>
+      </p:sp>
+    </p:spTree>
+    <p:extLst>
+      <p:ext uri="{BB962C8B-B14F-4D97-AF65-F5344CB8AC3E}">
+        <p14:creationId xmlns:p14="http://schemas.microsoft.com/office/powerpoint/2010/main" val="2009368347"/>
+      </p:ext>
+    </p:extLst>
+  </p:cSld>
+  <p:clrMapOvr>
+    <a:masterClrMapping/>
+  </p:clrMapOvr>
+</p:sld>
+</file>
+
+<file path=ppt/slides/slide12.xml><?xml version="1.0" encoding="utf-8"?>
+<p:sld xmlns:a="http://schemas.openxmlformats.org/drawingml/2006/main" xmlns:r="http://schemas.openxmlformats.org/officeDocument/2006/relationships" xmlns:p="http://schemas.openxmlformats.org/presentationml/2006/main">
+  <p:cSld>
+    <p:spTree>
+      <p:nvGrpSpPr>
+        <p:cNvPr id="1" name=""/>
+        <p:cNvGrpSpPr/>
+        <p:nvPr/>
+      </p:nvGrpSpPr>
+      <p:grpSpPr>
+        <a:xfrm>
+          <a:off x="0" y="0"/>
+          <a:ext cx="0" cy="0"/>
+          <a:chOff x="0" y="0"/>
+          <a:chExt cx="0" cy="0"/>
+        </a:xfrm>
+      </p:grpSpPr>
+      <p:pic>
+        <p:nvPicPr>
+          <p:cNvPr id="7" name="Picture 6">
+            <a:extLst>
+              <a:ext uri="{FF2B5EF4-FFF2-40B4-BE49-F238E27FC236}">
+                <a16:creationId xmlns:a16="http://schemas.microsoft.com/office/drawing/2014/main" id="{9977D0CD-1A31-4214-941E-10DE4E26D3D1}"/>
+              </a:ext>
+            </a:extLst>
+          </p:cNvPr>
+          <p:cNvPicPr>
+            <a:picLocks noChangeAspect="1"/>
+          </p:cNvPicPr>
+          <p:nvPr/>
+        </p:nvPicPr>
+        <p:blipFill>
+          <a:blip r:embed="rId2">
+            <a:extLst>
+              <a:ext uri="{28A0092B-C50C-407E-A947-70E740481C1C}">
+                <a14:useLocalDpi xmlns:a14="http://schemas.microsoft.com/office/drawing/2010/main" val="0"/>
+              </a:ext>
+            </a:extLst>
+          </a:blip>
+          <a:stretch>
+            <a:fillRect/>
+          </a:stretch>
+        </p:blipFill>
+        <p:spPr>
+          <a:xfrm>
+            <a:off x="1201399" y="759903"/>
+            <a:ext cx="7775547" cy="5183698"/>
+          </a:xfrm>
+          <a:prstGeom prst="rect">
+            <a:avLst/>
+          </a:prstGeom>
+        </p:spPr>
+      </p:pic>
+      <p:sp>
+        <p:nvSpPr>
+          <p:cNvPr id="8" name="TextBox 7">
+            <a:extLst>
+              <a:ext uri="{FF2B5EF4-FFF2-40B4-BE49-F238E27FC236}">
+                <a16:creationId xmlns:a16="http://schemas.microsoft.com/office/drawing/2014/main" id="{21F1AA4E-716A-425A-910C-7BFAD8A6118B}"/>
+              </a:ext>
+            </a:extLst>
+          </p:cNvPr>
+          <p:cNvSpPr txBox="1"/>
+          <p:nvPr/>
+        </p:nvSpPr>
+        <p:spPr>
+          <a:xfrm>
+            <a:off x="958361" y="413238"/>
+            <a:ext cx="3921369" cy="369332"/>
+          </a:xfrm>
+          <a:prstGeom prst="rect">
+            <a:avLst/>
+          </a:prstGeom>
+          <a:noFill/>
+        </p:spPr>
+        <p:txBody>
+          <a:bodyPr wrap="square" rtlCol="0">
+            <a:spAutoFit/>
+          </a:bodyPr>
+          <a:lstStyle/>
+          <a:p>
+            <a:r>
+              <a:rPr lang="en-US" dirty="0"/>
+              <a:t>Trend – </a:t>
+            </a:r>
+            <a:r>
+              <a:rPr lang="en-US" dirty="0" err="1"/>
+              <a:t>diabete</a:t>
+            </a:r>
+            <a:r>
+              <a:rPr lang="en-US" dirty="0"/>
+              <a:t> rate continues upward</a:t>
+            </a:r>
+          </a:p>
+        </p:txBody>
+      </p:sp>
+    </p:spTree>
+    <p:extLst>
+      <p:ext uri="{BB962C8B-B14F-4D97-AF65-F5344CB8AC3E}">
+        <p14:creationId xmlns:p14="http://schemas.microsoft.com/office/powerpoint/2010/main" val="2316854430"/>
+      </p:ext>
+    </p:extLst>
+  </p:cSld>
+  <p:clrMapOvr>
+    <a:masterClrMapping/>
+  </p:clrMapOvr>
+</p:sld>
+</file>
+
+<file path=ppt/slides/slide13.xml><?xml version="1.0" encoding="utf-8"?>
+<p:sld xmlns:a="http://schemas.openxmlformats.org/drawingml/2006/main" xmlns:r="http://schemas.openxmlformats.org/officeDocument/2006/relationships" xmlns:p="http://schemas.openxmlformats.org/presentationml/2006/main">
+  <p:cSld>
+    <p:spTree>
+      <p:nvGrpSpPr>
+        <p:cNvPr id="1" name=""/>
+        <p:cNvGrpSpPr/>
+        <p:nvPr/>
+      </p:nvGrpSpPr>
+      <p:grpSpPr>
+        <a:xfrm>
+          <a:off x="0" y="0"/>
+          <a:ext cx="0" cy="0"/>
+          <a:chOff x="0" y="0"/>
+          <a:chExt cx="0" cy="0"/>
+        </a:xfrm>
+      </p:grpSpPr>
+      <p:sp>
+        <p:nvSpPr>
+          <p:cNvPr id="2" name="Title 1">
+            <a:extLst>
+              <a:ext uri="{FF2B5EF4-FFF2-40B4-BE49-F238E27FC236}">
+                <a16:creationId xmlns:a16="http://schemas.microsoft.com/office/drawing/2014/main" id="{83567ECE-1E34-4677-B28D-D2D89ED47A48}"/>
+              </a:ext>
+            </a:extLst>
+          </p:cNvPr>
+          <p:cNvSpPr>
+            <a:spLocks noGrp="1"/>
+          </p:cNvSpPr>
+          <p:nvPr>
+            <p:ph type="title"/>
+          </p:nvPr>
+        </p:nvSpPr>
+        <p:spPr/>
+        <p:txBody>
+          <a:bodyPr/>
+          <a:lstStyle/>
+          <a:p>
+            <a:r>
+              <a:rPr lang="en-US" dirty="0"/>
+              <a:t>Conclusion &amp; Findings:</a:t>
+            </a:r>
+          </a:p>
+        </p:txBody>
+      </p:sp>
+      <p:sp>
+        <p:nvSpPr>
+          <p:cNvPr id="3" name="Content Placeholder 2">
+            <a:extLst>
+              <a:ext uri="{FF2B5EF4-FFF2-40B4-BE49-F238E27FC236}">
+                <a16:creationId xmlns:a16="http://schemas.microsoft.com/office/drawing/2014/main" id="{5F27B3DF-68DB-4A01-B0AE-45D1E37587DF}"/>
+              </a:ext>
+            </a:extLst>
+          </p:cNvPr>
+          <p:cNvSpPr>
+            <a:spLocks noGrp="1"/>
+          </p:cNvSpPr>
+          <p:nvPr>
+            <p:ph sz="half" idx="1"/>
+          </p:nvPr>
+        </p:nvSpPr>
+        <p:spPr>
+          <a:xfrm>
+            <a:off x="838199" y="1825625"/>
+            <a:ext cx="8508023" cy="4351338"/>
+          </a:xfrm>
+        </p:spPr>
+        <p:txBody>
+          <a:bodyPr>
+            <a:normAutofit fontScale="92500" lnSpcReduction="10000"/>
+          </a:bodyPr>
+          <a:lstStyle/>
+          <a:p>
+            <a:r>
+              <a:rPr lang="en-US" dirty="0"/>
+              <a:t>Puerto Rico has the highest prevalence at 17% followed by the southern states, particularly in Alabama, Mississippi and Louisiana. </a:t>
+            </a:r>
+          </a:p>
+          <a:p>
+            <a:r>
+              <a:rPr lang="en-US" dirty="0"/>
+              <a:t>There is a group states where the income is higher Michigan , Arizona, Pennsylvania but the diabetes prevalence is still somewhat high (around 11%).</a:t>
+            </a:r>
+          </a:p>
+          <a:p>
+            <a:r>
+              <a:rPr lang="en-US" dirty="0"/>
+              <a:t>Our data clearly shows a correlation between obesity and levels of inactivity.</a:t>
+            </a:r>
+          </a:p>
+          <a:p>
+            <a:r>
+              <a:rPr lang="en-US" dirty="0"/>
+              <a:t> Also that there are other factors at play with outliners: diet.</a:t>
+            </a:r>
+          </a:p>
+          <a:p>
+            <a:r>
+              <a:rPr lang="en-US" dirty="0"/>
+              <a:t>The data also shows that the diabetes prevalence is rising year after year.</a:t>
+            </a:r>
+          </a:p>
+          <a:p>
+            <a:pPr marL="0" indent="0">
+              <a:buNone/>
+            </a:pPr>
+            <a:endParaRPr lang="en-US" dirty="0"/>
+          </a:p>
+          <a:p>
+            <a:endParaRPr lang="en-US" dirty="0"/>
+          </a:p>
+        </p:txBody>
+      </p:sp>
+    </p:spTree>
+    <p:extLst>
+      <p:ext uri="{BB962C8B-B14F-4D97-AF65-F5344CB8AC3E}">
+        <p14:creationId xmlns:p14="http://schemas.microsoft.com/office/powerpoint/2010/main" val="3522192769"/>
+      </p:ext>
+    </p:extLst>
+  </p:cSld>
+  <p:clrMapOvr>
+    <a:masterClrMapping/>
+  </p:clrMapOvr>
+</p:sld>
+</file>
+
+<file path=ppt/slides/slide14.xml><?xml version="1.0" encoding="utf-8"?>
+<p:sld xmlns:a="http://schemas.openxmlformats.org/drawingml/2006/main" xmlns:r="http://schemas.openxmlformats.org/officeDocument/2006/relationships" xmlns:p="http://schemas.openxmlformats.org/presentationml/2006/main">
+  <p:cSld>
+    <p:spTree>
+      <p:nvGrpSpPr>
+        <p:cNvPr id="1" name=""/>
+        <p:cNvGrpSpPr/>
+        <p:nvPr/>
+      </p:nvGrpSpPr>
+      <p:grpSpPr>
+        <a:xfrm>
+          <a:off x="0" y="0"/>
+          <a:ext cx="0" cy="0"/>
+          <a:chOff x="0" y="0"/>
+          <a:chExt cx="0" cy="0"/>
+        </a:xfrm>
+      </p:grpSpPr>
+      <p:sp>
+        <p:nvSpPr>
+          <p:cNvPr id="2" name="Title 1">
+            <a:extLst>
+              <a:ext uri="{FF2B5EF4-FFF2-40B4-BE49-F238E27FC236}">
+                <a16:creationId xmlns:a16="http://schemas.microsoft.com/office/drawing/2014/main" id="{9D1AC4AC-D38B-4F36-A113-09EBD2D412F3}"/>
+              </a:ext>
+            </a:extLst>
+          </p:cNvPr>
+          <p:cNvSpPr>
+            <a:spLocks noGrp="1"/>
+          </p:cNvSpPr>
+          <p:nvPr>
+            <p:ph type="title"/>
+          </p:nvPr>
+        </p:nvSpPr>
+        <p:spPr/>
+        <p:txBody>
+          <a:bodyPr/>
+          <a:lstStyle/>
+          <a:p>
+            <a:r>
+              <a:rPr lang="en-US" dirty="0"/>
+              <a:t>Some interesting links:</a:t>
+            </a:r>
+          </a:p>
+        </p:txBody>
+      </p:sp>
+      <p:sp>
+        <p:nvSpPr>
+          <p:cNvPr id="3" name="Content Placeholder 2">
+            <a:extLst>
+              <a:ext uri="{FF2B5EF4-FFF2-40B4-BE49-F238E27FC236}">
+                <a16:creationId xmlns:a16="http://schemas.microsoft.com/office/drawing/2014/main" id="{0D06DB5F-F2A2-4052-BE9F-B27471F4E273}"/>
+              </a:ext>
+            </a:extLst>
+          </p:cNvPr>
+          <p:cNvSpPr>
+            <a:spLocks noGrp="1"/>
+          </p:cNvSpPr>
+          <p:nvPr>
+            <p:ph idx="1"/>
+          </p:nvPr>
+        </p:nvSpPr>
+        <p:spPr/>
+        <p:txBody>
+          <a:bodyPr/>
+          <a:lstStyle/>
+          <a:p>
+            <a:r>
+              <a:rPr lang="en-US" dirty="0"/>
+              <a:t>Data visualization: https://evergreen.data.socrata.com/</a:t>
+            </a:r>
+          </a:p>
+        </p:txBody>
+      </p:sp>
+    </p:spTree>
+    <p:extLst>
+      <p:ext uri="{BB962C8B-B14F-4D97-AF65-F5344CB8AC3E}">
+        <p14:creationId xmlns:p14="http://schemas.microsoft.com/office/powerpoint/2010/main" val="1677946580"/>
       </p:ext>
     </p:extLst>
   </p:cSld>
@@ -3424,101 +3984,97 @@
           <p:cNvPr id="2" name="Title 1">
             <a:extLst>
               <a:ext uri="{FF2B5EF4-FFF2-40B4-BE49-F238E27FC236}">
-                <a16:creationId xmlns:a16="http://schemas.microsoft.com/office/drawing/2014/main" id="{9FD6A4FD-5485-4307-A3A5-3B13979F7330}"/>
-              </a:ext>
-            </a:extLst>
-          </p:cNvPr>
-          <p:cNvSpPr>
-            <a:spLocks noGrp="1"/>
-          </p:cNvSpPr>
-          <p:nvPr>
-            <p:ph type="title"/>
-          </p:nvPr>
-        </p:nvSpPr>
-        <p:spPr/>
-        <p:txBody>
-          <a:bodyPr/>
-          <a:lstStyle/>
-          <a:p>
-            <a:endParaRPr lang="en-US" dirty="0"/>
-          </a:p>
-        </p:txBody>
-      </p:sp>
-      <p:pic>
-        <p:nvPicPr>
-          <p:cNvPr id="5" name="Content Placeholder 4">
-            <a:extLst>
-              <a:ext uri="{FF2B5EF4-FFF2-40B4-BE49-F238E27FC236}">
-                <a16:creationId xmlns:a16="http://schemas.microsoft.com/office/drawing/2014/main" id="{39A4E182-7078-4B4B-BAD6-50B8267AA23B}"/>
-              </a:ext>
-            </a:extLst>
-          </p:cNvPr>
-          <p:cNvPicPr>
-            <a:picLocks noGrp="1" noChangeAspect="1"/>
-          </p:cNvPicPr>
-          <p:nvPr>
-            <p:ph idx="1"/>
-          </p:nvPr>
-        </p:nvPicPr>
-        <p:blipFill>
-          <a:blip r:embed="rId2">
-            <a:extLst>
-              <a:ext uri="{28A0092B-C50C-407E-A947-70E740481C1C}">
-                <a14:useLocalDpi xmlns:a14="http://schemas.microsoft.com/office/drawing/2010/main" val="0"/>
-              </a:ext>
-            </a:extLst>
-          </a:blip>
-          <a:stretch>
-            <a:fillRect/>
-          </a:stretch>
-        </p:blipFill>
+                <a16:creationId xmlns:a16="http://schemas.microsoft.com/office/drawing/2014/main" id="{BDF74733-E9C8-4375-B197-928425A64FD6}"/>
+              </a:ext>
+            </a:extLst>
+          </p:cNvPr>
+          <p:cNvSpPr>
+            <a:spLocks noGrp="1"/>
+          </p:cNvSpPr>
+          <p:nvPr>
+            <p:ph type="ctrTitle"/>
+          </p:nvPr>
+        </p:nvSpPr>
         <p:spPr>
           <a:xfrm>
-            <a:off x="929607" y="546362"/>
-            <a:ext cx="10746577" cy="5278908"/>
+            <a:off x="1524000" y="360485"/>
+            <a:ext cx="9144000" cy="2611315"/>
           </a:xfrm>
         </p:spPr>
-      </p:pic>
-      <p:sp>
-        <p:nvSpPr>
-          <p:cNvPr id="7" name="TextBox 6">
-            <a:extLst>
-              <a:ext uri="{FF2B5EF4-FFF2-40B4-BE49-F238E27FC236}">
-                <a16:creationId xmlns:a16="http://schemas.microsoft.com/office/drawing/2014/main" id="{1244310E-EF36-4A9C-BC22-C28D736DCABB}"/>
-              </a:ext>
-            </a:extLst>
-          </p:cNvPr>
-          <p:cNvSpPr txBox="1"/>
-          <p:nvPr/>
-        </p:nvSpPr>
-        <p:spPr>
-          <a:xfrm>
-            <a:off x="1125415" y="5502104"/>
-            <a:ext cx="5969977" cy="369332"/>
-          </a:xfrm>
-          <a:prstGeom prst="rect">
-            <a:avLst/>
-          </a:prstGeom>
-          <a:noFill/>
-        </p:spPr>
-        <p:txBody>
-          <a:bodyPr wrap="square" rtlCol="0">
-            <a:spAutoFit/>
+        <p:txBody>
+          <a:bodyPr>
+            <a:normAutofit/>
           </a:bodyPr>
           <a:lstStyle/>
           <a:p>
-            <a:pPr algn="just"/>
             <a:r>
               <a:rPr lang="en-US" dirty="0"/>
-              <a:t>Higher prevalence diabetes across Southern States</a:t>
-            </a:r>
+              <a:t>What factors can lead to higher prevalence of diabetes?</a:t>
+            </a:r>
+          </a:p>
+        </p:txBody>
+      </p:sp>
+      <p:sp>
+        <p:nvSpPr>
+          <p:cNvPr id="3" name="Subtitle 2">
+            <a:extLst>
+              <a:ext uri="{FF2B5EF4-FFF2-40B4-BE49-F238E27FC236}">
+                <a16:creationId xmlns:a16="http://schemas.microsoft.com/office/drawing/2014/main" id="{87BB1632-3D9B-4D4F-9E25-C9219C0E77F2}"/>
+              </a:ext>
+            </a:extLst>
+          </p:cNvPr>
+          <p:cNvSpPr>
+            <a:spLocks noGrp="1"/>
+          </p:cNvSpPr>
+          <p:nvPr>
+            <p:ph type="subTitle" idx="1"/>
+          </p:nvPr>
+        </p:nvSpPr>
+        <p:spPr/>
+        <p:txBody>
+          <a:bodyPr>
+            <a:normAutofit fontScale="92500" lnSpcReduction="10000"/>
+          </a:bodyPr>
+          <a:lstStyle/>
+          <a:p>
+            <a:pPr marL="457200" lvl="0" indent="-457200" algn="l">
+              <a:buFont typeface="Arial" panose="020B0604020202020204" pitchFamily="34" charset="0"/>
+              <a:buChar char="•"/>
+            </a:pPr>
+            <a:r>
+              <a:rPr lang="en-US" sz="3600" dirty="0"/>
+              <a:t>Income</a:t>
+            </a:r>
+          </a:p>
+          <a:p>
+            <a:pPr marL="457200" lvl="0" indent="-457200" algn="l">
+              <a:buFont typeface="Arial" panose="020B0604020202020204" pitchFamily="34" charset="0"/>
+              <a:buChar char="•"/>
+            </a:pPr>
+            <a:r>
+              <a:rPr lang="en-US" sz="3600" dirty="0"/>
+              <a:t>Fitness</a:t>
+            </a:r>
+          </a:p>
+          <a:p>
+            <a:pPr marL="457200" lvl="0" indent="-457200" algn="l">
+              <a:buFont typeface="Arial" panose="020B0604020202020204" pitchFamily="34" charset="0"/>
+              <a:buChar char="•"/>
+            </a:pPr>
+            <a:r>
+              <a:rPr lang="en-US" sz="3600" dirty="0"/>
+              <a:t>Obesity</a:t>
+            </a:r>
+          </a:p>
+          <a:p>
+            <a:endParaRPr lang="en-US" dirty="0"/>
           </a:p>
         </p:txBody>
       </p:sp>
     </p:spTree>
     <p:extLst>
       <p:ext uri="{BB962C8B-B14F-4D97-AF65-F5344CB8AC3E}">
-        <p14:creationId xmlns:p14="http://schemas.microsoft.com/office/powerpoint/2010/main" val="1236448805"/>
+        <p14:creationId xmlns:p14="http://schemas.microsoft.com/office/powerpoint/2010/main" val="795890955"/>
       </p:ext>
     </p:extLst>
   </p:cSld>
@@ -3550,7 +4106,7 @@
           <p:cNvPr id="2" name="Title 1">
             <a:extLst>
               <a:ext uri="{FF2B5EF4-FFF2-40B4-BE49-F238E27FC236}">
-                <a16:creationId xmlns:a16="http://schemas.microsoft.com/office/drawing/2014/main" id="{D2021B46-3520-48B4-A306-B4A1E1B6F3B5}"/>
+                <a16:creationId xmlns:a16="http://schemas.microsoft.com/office/drawing/2014/main" id="{BADE47C9-1E10-491A-BA06-06B86384915B}"/>
               </a:ext>
             </a:extLst>
           </p:cNvPr>
@@ -3566,85 +4122,91 @@
           <a:bodyPr/>
           <a:lstStyle/>
           <a:p>
-            <a:endParaRPr lang="en-US"/>
-          </a:p>
-        </p:txBody>
-      </p:sp>
-      <p:pic>
-        <p:nvPicPr>
-          <p:cNvPr id="5" name="Content Placeholder 4">
-            <a:extLst>
-              <a:ext uri="{FF2B5EF4-FFF2-40B4-BE49-F238E27FC236}">
-                <a16:creationId xmlns:a16="http://schemas.microsoft.com/office/drawing/2014/main" id="{F1937368-14B1-4B2C-A76A-AF80B7ACA688}"/>
-              </a:ext>
-            </a:extLst>
-          </p:cNvPr>
-          <p:cNvPicPr>
-            <a:picLocks noGrp="1" noChangeAspect="1"/>
-          </p:cNvPicPr>
+            <a:r>
+              <a:rPr lang="en-US" dirty="0"/>
+              <a:t>Data Collections:</a:t>
+            </a:r>
+          </a:p>
+        </p:txBody>
+      </p:sp>
+      <p:sp>
+        <p:nvSpPr>
+          <p:cNvPr id="3" name="Content Placeholder 2">
+            <a:extLst>
+              <a:ext uri="{FF2B5EF4-FFF2-40B4-BE49-F238E27FC236}">
+                <a16:creationId xmlns:a16="http://schemas.microsoft.com/office/drawing/2014/main" id="{0DF1EF72-E662-4FEA-BEDE-2B09312A54A9}"/>
+              </a:ext>
+            </a:extLst>
+          </p:cNvPr>
+          <p:cNvSpPr>
+            <a:spLocks noGrp="1"/>
+          </p:cNvSpPr>
           <p:nvPr>
             <p:ph idx="1"/>
           </p:nvPr>
-        </p:nvPicPr>
-        <p:blipFill>
-          <a:blip r:embed="rId2">
-            <a:extLst>
-              <a:ext uri="{28A0092B-C50C-407E-A947-70E740481C1C}">
-                <a14:useLocalDpi xmlns:a14="http://schemas.microsoft.com/office/drawing/2010/main" val="0"/>
-              </a:ext>
-            </a:extLst>
-          </a:blip>
-          <a:stretch>
-            <a:fillRect/>
-          </a:stretch>
-        </p:blipFill>
-        <p:spPr>
-          <a:xfrm>
-            <a:off x="712177" y="497498"/>
-            <a:ext cx="11293841" cy="5646921"/>
-          </a:xfrm>
-        </p:spPr>
-      </p:pic>
-      <p:sp>
-        <p:nvSpPr>
-          <p:cNvPr id="11" name="TextBox 10">
-            <a:extLst>
-              <a:ext uri="{FF2B5EF4-FFF2-40B4-BE49-F238E27FC236}">
-                <a16:creationId xmlns:a16="http://schemas.microsoft.com/office/drawing/2014/main" id="{12CFD67F-4E2F-4460-AA31-60301AFAD36D}"/>
-              </a:ext>
-            </a:extLst>
-          </p:cNvPr>
-          <p:cNvSpPr txBox="1"/>
-          <p:nvPr/>
-        </p:nvSpPr>
-        <p:spPr>
-          <a:xfrm>
-            <a:off x="433081" y="4976446"/>
-            <a:ext cx="3356404" cy="646331"/>
-          </a:xfrm>
-          <a:prstGeom prst="rect">
-            <a:avLst/>
-          </a:prstGeom>
-          <a:noFill/>
-        </p:spPr>
-        <p:txBody>
-          <a:bodyPr wrap="square" rtlCol="0">
-            <a:spAutoFit/>
-          </a:bodyPr>
-          <a:lstStyle/>
-          <a:p>
-            <a:pPr algn="just"/>
-            <a:r>
-              <a:rPr lang="en-US" dirty="0"/>
-              <a:t>High concentrations of diabetes prevalence  within state counties</a:t>
-            </a:r>
+        </p:nvSpPr>
+        <p:spPr/>
+        <p:txBody>
+          <a:bodyPr/>
+          <a:lstStyle/>
+          <a:p>
+            <a:pPr lvl="1"/>
+            <a:r>
+              <a:rPr lang="en-US" sz="2800" dirty="0"/>
+              <a:t>CDC Gov</a:t>
+            </a:r>
+          </a:p>
+          <a:p>
+            <a:pPr lvl="2"/>
+            <a:r>
+              <a:rPr lang="en-US" sz="2800" dirty="0"/>
+              <a:t>Measurement of Prevalence of diabetes by County</a:t>
+            </a:r>
+          </a:p>
+          <a:p>
+            <a:pPr lvl="2"/>
+            <a:r>
+              <a:rPr lang="en-US" sz="2800" dirty="0"/>
+              <a:t> Level of In-Activities</a:t>
+            </a:r>
+          </a:p>
+          <a:p>
+            <a:pPr lvl="2"/>
+            <a:r>
+              <a:rPr lang="en-US" sz="2800" dirty="0"/>
+              <a:t>Obesity  </a:t>
+            </a:r>
+          </a:p>
+          <a:p>
+            <a:pPr lvl="1"/>
+            <a:r>
+              <a:rPr lang="en-US" sz="2800" dirty="0"/>
+              <a:t>Census Gov</a:t>
+            </a:r>
+          </a:p>
+          <a:p>
+            <a:pPr lvl="2"/>
+            <a:r>
+              <a:rPr lang="en-US" sz="2800" dirty="0"/>
+              <a:t>Income by the Counties</a:t>
+            </a:r>
+          </a:p>
+          <a:p>
+            <a:pPr lvl="2"/>
+            <a:r>
+              <a:rPr lang="en-US" sz="2800" dirty="0"/>
+              <a:t>Income by the States</a:t>
+            </a:r>
+          </a:p>
+          <a:p>
+            <a:endParaRPr lang="en-US" dirty="0"/>
           </a:p>
         </p:txBody>
       </p:sp>
     </p:spTree>
     <p:extLst>
       <p:ext uri="{BB962C8B-B14F-4D97-AF65-F5344CB8AC3E}">
-        <p14:creationId xmlns:p14="http://schemas.microsoft.com/office/powerpoint/2010/main" val="607049197"/>
+        <p14:creationId xmlns:p14="http://schemas.microsoft.com/office/powerpoint/2010/main" val="3421532089"/>
       </p:ext>
     </p:extLst>
   </p:cSld>
@@ -3671,80 +4233,119 @@
           <a:chExt cx="0" cy="0"/>
         </a:xfrm>
       </p:grpSpPr>
-      <p:pic>
-        <p:nvPicPr>
-          <p:cNvPr id="5" name="Content Placeholder 4">
-            <a:extLst>
-              <a:ext uri="{FF2B5EF4-FFF2-40B4-BE49-F238E27FC236}">
-                <a16:creationId xmlns:a16="http://schemas.microsoft.com/office/drawing/2014/main" id="{58971E98-B5C4-4B6F-99D3-C0627280AFA0}"/>
-              </a:ext>
-            </a:extLst>
-          </p:cNvPr>
-          <p:cNvPicPr>
-            <a:picLocks noGrp="1" noChangeAspect="1"/>
-          </p:cNvPicPr>
+      <p:sp>
+        <p:nvSpPr>
+          <p:cNvPr id="2" name="Title 1">
+            <a:extLst>
+              <a:ext uri="{FF2B5EF4-FFF2-40B4-BE49-F238E27FC236}">
+                <a16:creationId xmlns:a16="http://schemas.microsoft.com/office/drawing/2014/main" id="{7CEACFC0-8DEA-4E33-8BF1-37C7A9810606}"/>
+              </a:ext>
+            </a:extLst>
+          </p:cNvPr>
+          <p:cNvSpPr>
+            <a:spLocks noGrp="1"/>
+          </p:cNvSpPr>
+          <p:nvPr>
+            <p:ph type="title"/>
+          </p:nvPr>
+        </p:nvSpPr>
+        <p:spPr/>
+        <p:txBody>
+          <a:bodyPr/>
+          <a:lstStyle/>
+          <a:p>
+            <a:r>
+              <a:rPr lang="en-US" dirty="0"/>
+              <a:t>Analysis:</a:t>
+            </a:r>
+          </a:p>
+        </p:txBody>
+      </p:sp>
+      <p:sp>
+        <p:nvSpPr>
+          <p:cNvPr id="3" name="Content Placeholder 2">
+            <a:extLst>
+              <a:ext uri="{FF2B5EF4-FFF2-40B4-BE49-F238E27FC236}">
+                <a16:creationId xmlns:a16="http://schemas.microsoft.com/office/drawing/2014/main" id="{C6CE08F6-D0C7-429F-B9EE-E4C400F2A0E8}"/>
+              </a:ext>
+            </a:extLst>
+          </p:cNvPr>
+          <p:cNvSpPr>
+            <a:spLocks noGrp="1"/>
+          </p:cNvSpPr>
           <p:nvPr>
             <p:ph idx="1"/>
           </p:nvPr>
-        </p:nvPicPr>
-        <p:blipFill>
-          <a:blip r:embed="rId2">
-            <a:extLst>
-              <a:ext uri="{28A0092B-C50C-407E-A947-70E740481C1C}">
-                <a14:useLocalDpi xmlns:a14="http://schemas.microsoft.com/office/drawing/2010/main" val="0"/>
-              </a:ext>
-            </a:extLst>
-          </a:blip>
-          <a:stretch>
-            <a:fillRect/>
-          </a:stretch>
-        </p:blipFill>
-        <p:spPr>
-          <a:xfrm>
-            <a:off x="502504" y="594518"/>
-            <a:ext cx="11164888" cy="5582445"/>
-          </a:xfrm>
-        </p:spPr>
-      </p:pic>
-      <p:sp>
-        <p:nvSpPr>
-          <p:cNvPr id="6" name="TextBox 5">
-            <a:extLst>
-              <a:ext uri="{FF2B5EF4-FFF2-40B4-BE49-F238E27FC236}">
-                <a16:creationId xmlns:a16="http://schemas.microsoft.com/office/drawing/2014/main" id="{10696897-7464-495B-9E4B-93C206938592}"/>
-              </a:ext>
-            </a:extLst>
-          </p:cNvPr>
-          <p:cNvSpPr txBox="1"/>
-          <p:nvPr/>
-        </p:nvSpPr>
-        <p:spPr>
-          <a:xfrm>
-            <a:off x="1072662" y="342900"/>
-            <a:ext cx="3156438" cy="369332"/>
-          </a:xfrm>
-          <a:prstGeom prst="rect">
-            <a:avLst/>
-          </a:prstGeom>
-          <a:noFill/>
-        </p:spPr>
-        <p:txBody>
-          <a:bodyPr wrap="square" rtlCol="0">
-            <a:spAutoFit/>
-          </a:bodyPr>
-          <a:lstStyle/>
-          <a:p>
+        </p:nvSpPr>
+        <p:spPr/>
+        <p:txBody>
+          <a:bodyPr/>
+          <a:lstStyle/>
+          <a:p>
+            <a:pPr lvl="0"/>
             <a:r>
               <a:rPr lang="en-US" dirty="0"/>
-              <a:t>Prevalence Diabetes % by State</a:t>
-            </a:r>
+              <a:t>Distributions of Diabetes Rate:</a:t>
+            </a:r>
+          </a:p>
+          <a:p>
+            <a:pPr lvl="1"/>
+            <a:r>
+              <a:rPr lang="en-US" dirty="0"/>
+              <a:t>Map of States</a:t>
+            </a:r>
+          </a:p>
+          <a:p>
+            <a:pPr lvl="1"/>
+            <a:r>
+              <a:rPr lang="en-US" dirty="0"/>
+              <a:t>Map of Counties</a:t>
+            </a:r>
+          </a:p>
+          <a:p>
+            <a:pPr lvl="1"/>
+            <a:r>
+              <a:rPr lang="en-US" dirty="0"/>
+              <a:t>Looking at States/Counties</a:t>
+            </a:r>
+          </a:p>
+          <a:p>
+            <a:pPr lvl="2"/>
+            <a:r>
+              <a:rPr lang="en-US" dirty="0"/>
+              <a:t>Income</a:t>
+            </a:r>
+          </a:p>
+          <a:p>
+            <a:pPr lvl="2"/>
+            <a:r>
+              <a:rPr lang="en-US" dirty="0"/>
+              <a:t>Obesity</a:t>
+            </a:r>
+          </a:p>
+          <a:p>
+            <a:pPr lvl="2"/>
+            <a:r>
+              <a:rPr lang="en-US" dirty="0"/>
+              <a:t>Level of In-Activities</a:t>
+            </a:r>
+          </a:p>
+          <a:p>
+            <a:pPr lvl="1"/>
+            <a:r>
+              <a:rPr lang="en-US" dirty="0"/>
+              <a:t>Trend of Diabetics </a:t>
+            </a:r>
+          </a:p>
+          <a:p>
+            <a:endParaRPr lang="en-US" dirty="0"/>
           </a:p>
         </p:txBody>
       </p:sp>
     </p:spTree>
     <p:extLst>
       <p:ext uri="{BB962C8B-B14F-4D97-AF65-F5344CB8AC3E}">
-        <p14:creationId xmlns:p14="http://schemas.microsoft.com/office/powerpoint/2010/main" val="1476195222"/>
+        <p14:creationId xmlns:p14="http://schemas.microsoft.com/office/powerpoint/2010/main" val="869263223"/>
       </p:ext>
     </p:extLst>
   </p:cSld>
@@ -3771,12 +4372,37 @@
           <a:chExt cx="0" cy="0"/>
         </a:xfrm>
       </p:grpSpPr>
+      <p:sp>
+        <p:nvSpPr>
+          <p:cNvPr id="2" name="Title 1">
+            <a:extLst>
+              <a:ext uri="{FF2B5EF4-FFF2-40B4-BE49-F238E27FC236}">
+                <a16:creationId xmlns:a16="http://schemas.microsoft.com/office/drawing/2014/main" id="{9FD6A4FD-5485-4307-A3A5-3B13979F7330}"/>
+              </a:ext>
+            </a:extLst>
+          </p:cNvPr>
+          <p:cNvSpPr>
+            <a:spLocks noGrp="1"/>
+          </p:cNvSpPr>
+          <p:nvPr>
+            <p:ph type="title"/>
+          </p:nvPr>
+        </p:nvSpPr>
+        <p:spPr/>
+        <p:txBody>
+          <a:bodyPr/>
+          <a:lstStyle/>
+          <a:p>
+            <a:endParaRPr lang="en-US" dirty="0"/>
+          </a:p>
+        </p:txBody>
+      </p:sp>
       <p:pic>
         <p:nvPicPr>
           <p:cNvPr id="5" name="Content Placeholder 4">
             <a:extLst>
               <a:ext uri="{FF2B5EF4-FFF2-40B4-BE49-F238E27FC236}">
-                <a16:creationId xmlns:a16="http://schemas.microsoft.com/office/drawing/2014/main" id="{4C666205-3358-4719-A11A-CA5F2B5816D2}"/>
+                <a16:creationId xmlns:a16="http://schemas.microsoft.com/office/drawing/2014/main" id="{39A4E182-7078-4B4B-BAD6-50B8267AA23B}"/>
               </a:ext>
             </a:extLst>
           </p:cNvPr>
@@ -3801,17 +4427,17 @@
         </p:blipFill>
         <p:spPr>
           <a:xfrm>
-            <a:off x="1744662" y="1222131"/>
-            <a:ext cx="9909663" cy="4954832"/>
+            <a:off x="929607" y="546362"/>
+            <a:ext cx="10746577" cy="5278908"/>
           </a:xfrm>
         </p:spPr>
       </p:pic>
       <p:sp>
         <p:nvSpPr>
-          <p:cNvPr id="6" name="TextBox 5">
-            <a:extLst>
-              <a:ext uri="{FF2B5EF4-FFF2-40B4-BE49-F238E27FC236}">
-                <a16:creationId xmlns:a16="http://schemas.microsoft.com/office/drawing/2014/main" id="{ADC90BF3-C4CB-47E5-9D5C-24CEFFCE3E66}"/>
+          <p:cNvPr id="7" name="TextBox 6">
+            <a:extLst>
+              <a:ext uri="{FF2B5EF4-FFF2-40B4-BE49-F238E27FC236}">
+                <a16:creationId xmlns:a16="http://schemas.microsoft.com/office/drawing/2014/main" id="{1244310E-EF36-4A9C-BC22-C28D736DCABB}"/>
               </a:ext>
             </a:extLst>
           </p:cNvPr>
@@ -3820,8 +4446,8 @@
         </p:nvSpPr>
         <p:spPr>
           <a:xfrm>
-            <a:off x="958361" y="413238"/>
-            <a:ext cx="3921369" cy="923330"/>
+            <a:off x="1125415" y="5502104"/>
+            <a:ext cx="5969977" cy="369332"/>
           </a:xfrm>
           <a:prstGeom prst="rect">
             <a:avLst/>
@@ -3834,21 +4460,10 @@
           </a:bodyPr>
           <a:lstStyle/>
           <a:p>
+            <a:pPr algn="just"/>
             <a:r>
               <a:rPr lang="en-US" dirty="0"/>
-              <a:t>Per Capital Income by State/Territories</a:t>
-            </a:r>
-          </a:p>
-          <a:p>
-            <a:r>
-              <a:rPr lang="en-US" dirty="0"/>
-              <a:t> - No a good correlation along state</a:t>
-            </a:r>
-          </a:p>
-          <a:p>
-            <a:r>
-              <a:rPr lang="en-US" dirty="0"/>
-              <a:t>- Except for Puerto Rico </a:t>
+              <a:t>Higher prevalence diabetes across Southern States</a:t>
             </a:r>
           </a:p>
         </p:txBody>
@@ -3856,7 +4471,7 @@
     </p:spTree>
     <p:extLst>
       <p:ext uri="{BB962C8B-B14F-4D97-AF65-F5344CB8AC3E}">
-        <p14:creationId xmlns:p14="http://schemas.microsoft.com/office/powerpoint/2010/main" val="2761390399"/>
+        <p14:creationId xmlns:p14="http://schemas.microsoft.com/office/powerpoint/2010/main" val="1236448805"/>
       </p:ext>
     </p:extLst>
   </p:cSld>
@@ -3883,12 +4498,37 @@
           <a:chExt cx="0" cy="0"/>
         </a:xfrm>
       </p:grpSpPr>
+      <p:sp>
+        <p:nvSpPr>
+          <p:cNvPr id="2" name="Title 1">
+            <a:extLst>
+              <a:ext uri="{FF2B5EF4-FFF2-40B4-BE49-F238E27FC236}">
+                <a16:creationId xmlns:a16="http://schemas.microsoft.com/office/drawing/2014/main" id="{D2021B46-3520-48B4-A306-B4A1E1B6F3B5}"/>
+              </a:ext>
+            </a:extLst>
+          </p:cNvPr>
+          <p:cNvSpPr>
+            <a:spLocks noGrp="1"/>
+          </p:cNvSpPr>
+          <p:nvPr>
+            <p:ph type="title"/>
+          </p:nvPr>
+        </p:nvSpPr>
+        <p:spPr/>
+        <p:txBody>
+          <a:bodyPr/>
+          <a:lstStyle/>
+          <a:p>
+            <a:endParaRPr lang="en-US"/>
+          </a:p>
+        </p:txBody>
+      </p:sp>
       <p:pic>
         <p:nvPicPr>
-          <p:cNvPr id="9" name="Content Placeholder 8">
-            <a:extLst>
-              <a:ext uri="{FF2B5EF4-FFF2-40B4-BE49-F238E27FC236}">
-                <a16:creationId xmlns:a16="http://schemas.microsoft.com/office/drawing/2014/main" id="{6F3247FF-3C8D-4EE1-B19C-6643C3F35F90}"/>
+          <p:cNvPr id="5" name="Content Placeholder 4">
+            <a:extLst>
+              <a:ext uri="{FF2B5EF4-FFF2-40B4-BE49-F238E27FC236}">
+                <a16:creationId xmlns:a16="http://schemas.microsoft.com/office/drawing/2014/main" id="{F1937368-14B1-4B2C-A76A-AF80B7ACA688}"/>
               </a:ext>
             </a:extLst>
           </p:cNvPr>
@@ -3913,17 +4553,17 @@
         </p:blipFill>
         <p:spPr>
           <a:xfrm>
-            <a:off x="609600" y="540544"/>
-            <a:ext cx="10744200" cy="5372100"/>
+            <a:off x="712177" y="497498"/>
+            <a:ext cx="11293841" cy="5646921"/>
           </a:xfrm>
         </p:spPr>
       </p:pic>
       <p:sp>
         <p:nvSpPr>
-          <p:cNvPr id="10" name="TextBox 9">
-            <a:extLst>
-              <a:ext uri="{FF2B5EF4-FFF2-40B4-BE49-F238E27FC236}">
-                <a16:creationId xmlns:a16="http://schemas.microsoft.com/office/drawing/2014/main" id="{00C02CEF-69C7-40D8-A6AA-4D603234DAAE}"/>
+          <p:cNvPr id="11" name="TextBox 10">
+            <a:extLst>
+              <a:ext uri="{FF2B5EF4-FFF2-40B4-BE49-F238E27FC236}">
+                <a16:creationId xmlns:a16="http://schemas.microsoft.com/office/drawing/2014/main" id="{12CFD67F-4E2F-4460-AA31-60301AFAD36D}"/>
               </a:ext>
             </a:extLst>
           </p:cNvPr>
@@ -3932,8 +4572,8 @@
         </p:nvSpPr>
         <p:spPr>
           <a:xfrm>
-            <a:off x="958361" y="413238"/>
-            <a:ext cx="3921369" cy="646331"/>
+            <a:off x="433081" y="4976446"/>
+            <a:ext cx="3356404" cy="646331"/>
           </a:xfrm>
           <a:prstGeom prst="rect">
             <a:avLst/>
@@ -3946,9 +4586,10 @@
           </a:bodyPr>
           <a:lstStyle/>
           <a:p>
+            <a:pPr algn="just"/>
             <a:r>
               <a:rPr lang="en-US" dirty="0"/>
-              <a:t>Per Capital Income by Counties vs % Diabetes</a:t>
+              <a:t>High concentrations of diabetes prevalence  within state counties</a:t>
             </a:r>
           </a:p>
         </p:txBody>
@@ -3956,7 +4597,7 @@
     </p:spTree>
     <p:extLst>
       <p:ext uri="{BB962C8B-B14F-4D97-AF65-F5344CB8AC3E}">
-        <p14:creationId xmlns:p14="http://schemas.microsoft.com/office/powerpoint/2010/main" val="3710136366"/>
+        <p14:creationId xmlns:p14="http://schemas.microsoft.com/office/powerpoint/2010/main" val="607049197"/>
       </p:ext>
     </p:extLst>
   </p:cSld>
@@ -3983,40 +4624,12 @@
           <a:chExt cx="0" cy="0"/>
         </a:xfrm>
       </p:grpSpPr>
-      <p:sp>
-        <p:nvSpPr>
-          <p:cNvPr id="2" name="Title 1">
-            <a:extLst>
-              <a:ext uri="{FF2B5EF4-FFF2-40B4-BE49-F238E27FC236}">
-                <a16:creationId xmlns:a16="http://schemas.microsoft.com/office/drawing/2014/main" id="{F67CA1DE-F55A-4AEF-845E-43DB24AFDF44}"/>
-              </a:ext>
-            </a:extLst>
-          </p:cNvPr>
-          <p:cNvSpPr>
-            <a:spLocks noGrp="1"/>
-          </p:cNvSpPr>
-          <p:nvPr>
-            <p:ph type="title"/>
-          </p:nvPr>
-        </p:nvSpPr>
-        <p:spPr/>
-        <p:txBody>
-          <a:bodyPr/>
-          <a:lstStyle/>
-          <a:p>
-            <a:r>
-              <a:rPr lang="en-US" dirty="0"/>
-              <a:t>% Diabetes vs Obesity Cases by County</a:t>
-            </a:r>
-          </a:p>
-        </p:txBody>
-      </p:sp>
       <p:pic>
         <p:nvPicPr>
           <p:cNvPr id="5" name="Content Placeholder 4">
             <a:extLst>
               <a:ext uri="{FF2B5EF4-FFF2-40B4-BE49-F238E27FC236}">
-                <a16:creationId xmlns:a16="http://schemas.microsoft.com/office/drawing/2014/main" id="{FF54AC2F-345A-4C7F-87F3-B7677F83E1E8}"/>
+                <a16:creationId xmlns:a16="http://schemas.microsoft.com/office/drawing/2014/main" id="{58971E98-B5C4-4B6F-99D3-C0627280AFA0}"/>
               </a:ext>
             </a:extLst>
           </p:cNvPr>
@@ -4041,8 +4654,8 @@
         </p:blipFill>
         <p:spPr>
           <a:xfrm>
-            <a:off x="838200" y="432594"/>
-            <a:ext cx="11488737" cy="5744369"/>
+            <a:off x="502504" y="594518"/>
+            <a:ext cx="11164888" cy="5582445"/>
           </a:xfrm>
         </p:spPr>
       </p:pic>
@@ -4051,7 +4664,7 @@
           <p:cNvPr id="6" name="TextBox 5">
             <a:extLst>
               <a:ext uri="{FF2B5EF4-FFF2-40B4-BE49-F238E27FC236}">
-                <a16:creationId xmlns:a16="http://schemas.microsoft.com/office/drawing/2014/main" id="{7AAE8787-0FB7-4052-8D5A-EACBE7692E7B}"/>
+                <a16:creationId xmlns:a16="http://schemas.microsoft.com/office/drawing/2014/main" id="{10696897-7464-495B-9E4B-93C206938592}"/>
               </a:ext>
             </a:extLst>
           </p:cNvPr>
@@ -4060,8 +4673,8 @@
         </p:nvSpPr>
         <p:spPr>
           <a:xfrm>
-            <a:off x="958361" y="413238"/>
-            <a:ext cx="3921369" cy="923330"/>
+            <a:off x="1072662" y="342900"/>
+            <a:ext cx="3156438" cy="369332"/>
           </a:xfrm>
           <a:prstGeom prst="rect">
             <a:avLst/>
@@ -4076,13 +4689,7 @@
           <a:p>
             <a:r>
               <a:rPr lang="en-US" dirty="0"/>
-              <a:t>Obesity Cases  vs % Diabetes</a:t>
-            </a:r>
-          </a:p>
-          <a:p>
-            <a:r>
-              <a:rPr lang="en-US" dirty="0"/>
-              <a:t> - High correlation between Obesity and Diabetes</a:t>
+              <a:t>Prevalence Diabetes % by State</a:t>
             </a:r>
           </a:p>
         </p:txBody>
@@ -4090,7 +4697,7 @@
     </p:spTree>
     <p:extLst>
       <p:ext uri="{BB962C8B-B14F-4D97-AF65-F5344CB8AC3E}">
-        <p14:creationId xmlns:p14="http://schemas.microsoft.com/office/powerpoint/2010/main" val="617514600"/>
+        <p14:creationId xmlns:p14="http://schemas.microsoft.com/office/powerpoint/2010/main" val="1476195222"/>
       </p:ext>
     </p:extLst>
   </p:cSld>
@@ -4119,17 +4726,19 @@
       </p:grpSpPr>
       <p:pic>
         <p:nvPicPr>
-          <p:cNvPr id="3" name="Picture 2">
-            <a:extLst>
-              <a:ext uri="{FF2B5EF4-FFF2-40B4-BE49-F238E27FC236}">
-                <a16:creationId xmlns:a16="http://schemas.microsoft.com/office/drawing/2014/main" id="{2C4FFE48-9404-4AC2-A4D9-B2CC7F355706}"/>
+          <p:cNvPr id="5" name="Content Placeholder 4">
+            <a:extLst>
+              <a:ext uri="{FF2B5EF4-FFF2-40B4-BE49-F238E27FC236}">
+                <a16:creationId xmlns:a16="http://schemas.microsoft.com/office/drawing/2014/main" id="{4C666205-3358-4719-A11A-CA5F2B5816D2}"/>
               </a:ext>
             </a:extLst>
           </p:cNvPr>
           <p:cNvPicPr>
-            <a:picLocks noChangeAspect="1"/>
+            <a:picLocks noGrp="1" noChangeAspect="1"/>
           </p:cNvPicPr>
-          <p:nvPr/>
+          <p:nvPr>
+            <p:ph idx="1"/>
+          </p:nvPr>
         </p:nvPicPr>
         <p:blipFill>
           <a:blip r:embed="rId2">
@@ -4145,20 +4754,17 @@
         </p:blipFill>
         <p:spPr>
           <a:xfrm>
-            <a:off x="0" y="381000"/>
-            <a:ext cx="12192000" cy="6096000"/>
+            <a:off x="1744662" y="1222131"/>
+            <a:ext cx="9909663" cy="4954832"/>
           </a:xfrm>
-          <a:prstGeom prst="rect">
-            <a:avLst/>
-          </a:prstGeom>
         </p:spPr>
       </p:pic>
       <p:sp>
         <p:nvSpPr>
-          <p:cNvPr id="4" name="TextBox 3">
-            <a:extLst>
-              <a:ext uri="{FF2B5EF4-FFF2-40B4-BE49-F238E27FC236}">
-                <a16:creationId xmlns:a16="http://schemas.microsoft.com/office/drawing/2014/main" id="{7D686BB3-D35F-47AB-82A4-A8EFCE7B0755}"/>
+          <p:cNvPr id="6" name="TextBox 5">
+            <a:extLst>
+              <a:ext uri="{FF2B5EF4-FFF2-40B4-BE49-F238E27FC236}">
+                <a16:creationId xmlns:a16="http://schemas.microsoft.com/office/drawing/2014/main" id="{ADC90BF3-C4CB-47E5-9D5C-24CEFFCE3E66}"/>
               </a:ext>
             </a:extLst>
           </p:cNvPr>
@@ -4167,7 +4773,7 @@
         </p:nvSpPr>
         <p:spPr>
           <a:xfrm>
-            <a:off x="228600" y="219807"/>
+            <a:off x="958361" y="413238"/>
             <a:ext cx="3921369" cy="923330"/>
           </a:xfrm>
           <a:prstGeom prst="rect">
@@ -4183,13 +4789,19 @@
           <a:p>
             <a:r>
               <a:rPr lang="en-US" dirty="0"/>
-              <a:t>In-activities Cases  vs % Diabetes</a:t>
+              <a:t>Per Capital Income by State/Territories</a:t>
             </a:r>
           </a:p>
           <a:p>
             <a:r>
               <a:rPr lang="en-US" dirty="0"/>
-              <a:t> - High correlation between In-activities and Diabetes</a:t>
+              <a:t> - No a good correlation along state</a:t>
+            </a:r>
+          </a:p>
+          <a:p>
+            <a:r>
+              <a:rPr lang="en-US" dirty="0"/>
+              <a:t>- Except for Puerto Rico </a:t>
             </a:r>
           </a:p>
         </p:txBody>
@@ -4197,7 +4809,7 @@
     </p:spTree>
     <p:extLst>
       <p:ext uri="{BB962C8B-B14F-4D97-AF65-F5344CB8AC3E}">
-        <p14:creationId xmlns:p14="http://schemas.microsoft.com/office/powerpoint/2010/main" val="2009368347"/>
+        <p14:creationId xmlns:p14="http://schemas.microsoft.com/office/powerpoint/2010/main" val="2761390399"/>
       </p:ext>
     </p:extLst>
   </p:cSld>
@@ -4226,17 +4838,19 @@
       </p:grpSpPr>
       <p:pic>
         <p:nvPicPr>
-          <p:cNvPr id="7" name="Picture 6">
-            <a:extLst>
-              <a:ext uri="{FF2B5EF4-FFF2-40B4-BE49-F238E27FC236}">
-                <a16:creationId xmlns:a16="http://schemas.microsoft.com/office/drawing/2014/main" id="{9977D0CD-1A31-4214-941E-10DE4E26D3D1}"/>
+          <p:cNvPr id="9" name="Content Placeholder 8">
+            <a:extLst>
+              <a:ext uri="{FF2B5EF4-FFF2-40B4-BE49-F238E27FC236}">
+                <a16:creationId xmlns:a16="http://schemas.microsoft.com/office/drawing/2014/main" id="{6F3247FF-3C8D-4EE1-B19C-6643C3F35F90}"/>
               </a:ext>
             </a:extLst>
           </p:cNvPr>
           <p:cNvPicPr>
-            <a:picLocks noChangeAspect="1"/>
+            <a:picLocks noGrp="1" noChangeAspect="1"/>
           </p:cNvPicPr>
-          <p:nvPr/>
+          <p:nvPr>
+            <p:ph idx="1"/>
+          </p:nvPr>
         </p:nvPicPr>
         <p:blipFill>
           <a:blip r:embed="rId2">
@@ -4252,20 +4866,17 @@
         </p:blipFill>
         <p:spPr>
           <a:xfrm>
-            <a:off x="1201399" y="759903"/>
-            <a:ext cx="7775547" cy="5183698"/>
+            <a:off x="609600" y="540544"/>
+            <a:ext cx="10744200" cy="5372100"/>
           </a:xfrm>
-          <a:prstGeom prst="rect">
-            <a:avLst/>
-          </a:prstGeom>
         </p:spPr>
       </p:pic>
       <p:sp>
         <p:nvSpPr>
-          <p:cNvPr id="8" name="TextBox 7">
-            <a:extLst>
-              <a:ext uri="{FF2B5EF4-FFF2-40B4-BE49-F238E27FC236}">
-                <a16:creationId xmlns:a16="http://schemas.microsoft.com/office/drawing/2014/main" id="{21F1AA4E-716A-425A-910C-7BFAD8A6118B}"/>
+          <p:cNvPr id="10" name="TextBox 9">
+            <a:extLst>
+              <a:ext uri="{FF2B5EF4-FFF2-40B4-BE49-F238E27FC236}">
+                <a16:creationId xmlns:a16="http://schemas.microsoft.com/office/drawing/2014/main" id="{00C02CEF-69C7-40D8-A6AA-4D603234DAAE}"/>
               </a:ext>
             </a:extLst>
           </p:cNvPr>
@@ -4275,7 +4886,7 @@
         <p:spPr>
           <a:xfrm>
             <a:off x="958361" y="413238"/>
-            <a:ext cx="3921369" cy="369332"/>
+            <a:ext cx="3921369" cy="646331"/>
           </a:xfrm>
           <a:prstGeom prst="rect">
             <a:avLst/>
@@ -4290,15 +4901,7 @@
           <a:p>
             <a:r>
               <a:rPr lang="en-US" dirty="0"/>
-              <a:t>Trend – </a:t>
-            </a:r>
-            <a:r>
-              <a:rPr lang="en-US" dirty="0" err="1"/>
-              <a:t>diabete</a:t>
-            </a:r>
-            <a:r>
-              <a:rPr lang="en-US" dirty="0"/>
-              <a:t> rate continues upward</a:t>
+              <a:t>Per Capital Income by Counties vs % Diabetes</a:t>
             </a:r>
           </a:p>
         </p:txBody>
@@ -4306,7 +4909,7 @@
     </p:spTree>
     <p:extLst>
       <p:ext uri="{BB962C8B-B14F-4D97-AF65-F5344CB8AC3E}">
-        <p14:creationId xmlns:p14="http://schemas.microsoft.com/office/powerpoint/2010/main" val="2316854430"/>
+        <p14:creationId xmlns:p14="http://schemas.microsoft.com/office/powerpoint/2010/main" val="3710136366"/>
       </p:ext>
     </p:extLst>
   </p:cSld>
